--- a/3.pptx
+++ b/3.pptx
@@ -288,7 +288,7 @@
           <a:p>
             <a:fld id="{3E5F99A4-3D89-426B-9B10-9124F9AB426E}" type="datetimeFigureOut">
               <a:rPr lang="zh-CN" altLang="en-US" smtClean="0"/>
-              <a:t>2020/10/15</a:t>
+              <a:t>2020/10/18</a:t>
             </a:fld>
             <a:endParaRPr lang="zh-CN" altLang="en-US"/>
           </a:p>
@@ -469,7 +469,7 @@
               <a:pPr>
                 <a:defRPr/>
               </a:pPr>
-              <a:t>2020/10/15</a:t>
+              <a:t>2020/10/18</a:t>
             </a:fld>
             <a:endParaRPr lang="zh-CN" altLang="en-US"/>
           </a:p>
@@ -14879,7 +14879,7 @@
                 <a:ea typeface="微软雅黑" charset="0"/>
                 <a:sym typeface="+mn-ea"/>
               </a:rPr>
-              <a:t>2</a:t>
+              <a:t>3</a:t>
             </a:r>
             <a:r>
               <a:rPr lang="zh-CN" altLang="en-US" sz="3600" noProof="1">
